--- a/ppt 16-9/0835.你要我的是什么.pptx
+++ b/ppt 16-9/0835.你要我的是什么.pptx
@@ -5,7 +5,7 @@
     <p:sldMasterId id="2147483648" r:id="rId1"/>
   </p:sldMasterIdLst>
   <p:sldIdLst>
-    <p:sldId id="2122" r:id="rId2"/>
+    <p:sldId id="2124" r:id="rId2"/>
   </p:sldIdLst>
   <p:sldSz cx="12192000" cy="6858000"/>
   <p:notesSz cx="6858000" cy="9144000"/>
@@ -129,7 +129,7 @@
           <p:cNvPr id="2" name="标题 1">
             <a:extLst>
               <a:ext uri="{FF2B5EF4-FFF2-40B4-BE49-F238E27FC236}">
-                <a16:creationId xmlns:a16="http://schemas.microsoft.com/office/drawing/2014/main" id="{AA74EACB-DA96-9E3D-3E49-5C22F857C226}"/>
+                <a16:creationId xmlns:a16="http://schemas.microsoft.com/office/drawing/2014/main" id="{CEC36FE9-5865-E3A4-240B-0F2A41272B58}"/>
               </a:ext>
             </a:extLst>
           </p:cNvPr>
@@ -166,7 +166,7 @@
           <p:cNvPr id="3" name="副标题 2">
             <a:extLst>
               <a:ext uri="{FF2B5EF4-FFF2-40B4-BE49-F238E27FC236}">
-                <a16:creationId xmlns:a16="http://schemas.microsoft.com/office/drawing/2014/main" id="{D7D5E57F-E717-67BE-1DDD-C40740F93B4C}"/>
+                <a16:creationId xmlns:a16="http://schemas.microsoft.com/office/drawing/2014/main" id="{4F8D35F2-051F-A1D0-9A16-2E3370898FC0}"/>
               </a:ext>
             </a:extLst>
           </p:cNvPr>
@@ -236,7 +236,7 @@
           <p:cNvPr id="4" name="日期占位符 3">
             <a:extLst>
               <a:ext uri="{FF2B5EF4-FFF2-40B4-BE49-F238E27FC236}">
-                <a16:creationId xmlns:a16="http://schemas.microsoft.com/office/drawing/2014/main" id="{87D9D8C6-B250-4A78-A304-A1595BB58E24}"/>
+                <a16:creationId xmlns:a16="http://schemas.microsoft.com/office/drawing/2014/main" id="{BB3B4B19-67A3-4C40-9781-84B6CDFA7CF4}"/>
               </a:ext>
             </a:extLst>
           </p:cNvPr>
@@ -252,7 +252,7 @@
           <a:bodyPr/>
           <a:lstStyle/>
           <a:p>
-            <a:fld id="{4DE1F27C-F371-4D79-8E77-6D9D790963E0}" type="datetimeFigureOut">
+            <a:fld id="{CE4C03D0-7689-4CF2-BBD2-FA6EAD846998}" type="datetimeFigureOut">
               <a:rPr lang="zh-CN" altLang="en-US" smtClean="0"/>
               <a:t>2024/3/10</a:t>
             </a:fld>
@@ -265,7 +265,7 @@
           <p:cNvPr id="5" name="页脚占位符 4">
             <a:extLst>
               <a:ext uri="{FF2B5EF4-FFF2-40B4-BE49-F238E27FC236}">
-                <a16:creationId xmlns:a16="http://schemas.microsoft.com/office/drawing/2014/main" id="{8FC4C12D-1955-73F4-DBD6-FA83ED277B11}"/>
+                <a16:creationId xmlns:a16="http://schemas.microsoft.com/office/drawing/2014/main" id="{A11E6BBE-FDC8-FB4A-92D5-596A4D433E91}"/>
               </a:ext>
             </a:extLst>
           </p:cNvPr>
@@ -290,7 +290,7 @@
           <p:cNvPr id="6" name="灯片编号占位符 5">
             <a:extLst>
               <a:ext uri="{FF2B5EF4-FFF2-40B4-BE49-F238E27FC236}">
-                <a16:creationId xmlns:a16="http://schemas.microsoft.com/office/drawing/2014/main" id="{54959947-9A08-F40D-7850-5AACA4D351E8}"/>
+                <a16:creationId xmlns:a16="http://schemas.microsoft.com/office/drawing/2014/main" id="{3023BBA6-8B39-BD1E-5B51-9C48980BE86B}"/>
               </a:ext>
             </a:extLst>
           </p:cNvPr>
@@ -306,7 +306,7 @@
           <a:bodyPr/>
           <a:lstStyle/>
           <a:p>
-            <a:fld id="{D201ADC4-F655-4172-9598-A5E39E549255}" type="slidenum">
+            <a:fld id="{F8BAB0AD-2FEC-421B-91B3-A8E8B9D8A51C}" type="slidenum">
               <a:rPr lang="zh-CN" altLang="en-US" smtClean="0"/>
               <a:t>‹#›</a:t>
             </a:fld>
@@ -317,7 +317,7 @@
     </p:spTree>
     <p:extLst>
       <p:ext uri="{BB962C8B-B14F-4D97-AF65-F5344CB8AC3E}">
-        <p14:creationId xmlns:p14="http://schemas.microsoft.com/office/powerpoint/2010/main" val="2353620668"/>
+        <p14:creationId xmlns:p14="http://schemas.microsoft.com/office/powerpoint/2010/main" val="412472675"/>
       </p:ext>
     </p:extLst>
   </p:cSld>
@@ -349,7 +349,7 @@
           <p:cNvPr id="2" name="标题 1">
             <a:extLst>
               <a:ext uri="{FF2B5EF4-FFF2-40B4-BE49-F238E27FC236}">
-                <a16:creationId xmlns:a16="http://schemas.microsoft.com/office/drawing/2014/main" id="{13644C44-0B0F-E6A7-60BD-83E2ACDDA75A}"/>
+                <a16:creationId xmlns:a16="http://schemas.microsoft.com/office/drawing/2014/main" id="{D5453101-1A40-23E2-3E1E-8DE4FA9F2037}"/>
               </a:ext>
             </a:extLst>
           </p:cNvPr>
@@ -377,7 +377,7 @@
           <p:cNvPr id="3" name="竖排文字占位符 2">
             <a:extLst>
               <a:ext uri="{FF2B5EF4-FFF2-40B4-BE49-F238E27FC236}">
-                <a16:creationId xmlns:a16="http://schemas.microsoft.com/office/drawing/2014/main" id="{989FD283-71BD-B07F-B3E7-B2399B4A8E22}"/>
+                <a16:creationId xmlns:a16="http://schemas.microsoft.com/office/drawing/2014/main" id="{68D85363-820E-90E6-F565-62CFA0FDC568}"/>
               </a:ext>
             </a:extLst>
           </p:cNvPr>
@@ -434,7 +434,7 @@
           <p:cNvPr id="4" name="日期占位符 3">
             <a:extLst>
               <a:ext uri="{FF2B5EF4-FFF2-40B4-BE49-F238E27FC236}">
-                <a16:creationId xmlns:a16="http://schemas.microsoft.com/office/drawing/2014/main" id="{F0EF024D-9DCB-3196-B336-DC47C8108CAD}"/>
+                <a16:creationId xmlns:a16="http://schemas.microsoft.com/office/drawing/2014/main" id="{8F8BDE6E-FDF4-3ADF-0C6F-BE65133FDBB2}"/>
               </a:ext>
             </a:extLst>
           </p:cNvPr>
@@ -450,7 +450,7 @@
           <a:bodyPr/>
           <a:lstStyle/>
           <a:p>
-            <a:fld id="{4DE1F27C-F371-4D79-8E77-6D9D790963E0}" type="datetimeFigureOut">
+            <a:fld id="{CE4C03D0-7689-4CF2-BBD2-FA6EAD846998}" type="datetimeFigureOut">
               <a:rPr lang="zh-CN" altLang="en-US" smtClean="0"/>
               <a:t>2024/3/10</a:t>
             </a:fld>
@@ -463,7 +463,7 @@
           <p:cNvPr id="5" name="页脚占位符 4">
             <a:extLst>
               <a:ext uri="{FF2B5EF4-FFF2-40B4-BE49-F238E27FC236}">
-                <a16:creationId xmlns:a16="http://schemas.microsoft.com/office/drawing/2014/main" id="{530F78D8-ACF3-C307-2AB4-12FD496547A9}"/>
+                <a16:creationId xmlns:a16="http://schemas.microsoft.com/office/drawing/2014/main" id="{54337AD0-6C9E-DF56-BE7A-0F74A76D2584}"/>
               </a:ext>
             </a:extLst>
           </p:cNvPr>
@@ -488,7 +488,7 @@
           <p:cNvPr id="6" name="灯片编号占位符 5">
             <a:extLst>
               <a:ext uri="{FF2B5EF4-FFF2-40B4-BE49-F238E27FC236}">
-                <a16:creationId xmlns:a16="http://schemas.microsoft.com/office/drawing/2014/main" id="{73C89C96-CDDF-AC0E-B3C2-21E0D6B0B853}"/>
+                <a16:creationId xmlns:a16="http://schemas.microsoft.com/office/drawing/2014/main" id="{BFBE8B93-937C-A95E-9FDB-3197ED1E253C}"/>
               </a:ext>
             </a:extLst>
           </p:cNvPr>
@@ -504,7 +504,7 @@
           <a:bodyPr/>
           <a:lstStyle/>
           <a:p>
-            <a:fld id="{D201ADC4-F655-4172-9598-A5E39E549255}" type="slidenum">
+            <a:fld id="{F8BAB0AD-2FEC-421B-91B3-A8E8B9D8A51C}" type="slidenum">
               <a:rPr lang="zh-CN" altLang="en-US" smtClean="0"/>
               <a:t>‹#›</a:t>
             </a:fld>
@@ -515,7 +515,7 @@
     </p:spTree>
     <p:extLst>
       <p:ext uri="{BB962C8B-B14F-4D97-AF65-F5344CB8AC3E}">
-        <p14:creationId xmlns:p14="http://schemas.microsoft.com/office/powerpoint/2010/main" val="921618827"/>
+        <p14:creationId xmlns:p14="http://schemas.microsoft.com/office/powerpoint/2010/main" val="3507578380"/>
       </p:ext>
     </p:extLst>
   </p:cSld>
@@ -547,7 +547,7 @@
           <p:cNvPr id="2" name="竖排标题 1">
             <a:extLst>
               <a:ext uri="{FF2B5EF4-FFF2-40B4-BE49-F238E27FC236}">
-                <a16:creationId xmlns:a16="http://schemas.microsoft.com/office/drawing/2014/main" id="{7E755088-B3EE-C832-CEF1-0F43A6A4FED6}"/>
+                <a16:creationId xmlns:a16="http://schemas.microsoft.com/office/drawing/2014/main" id="{F4E7E558-DFDC-08D6-891E-545486449621}"/>
               </a:ext>
             </a:extLst>
           </p:cNvPr>
@@ -580,7 +580,7 @@
           <p:cNvPr id="3" name="竖排文字占位符 2">
             <a:extLst>
               <a:ext uri="{FF2B5EF4-FFF2-40B4-BE49-F238E27FC236}">
-                <a16:creationId xmlns:a16="http://schemas.microsoft.com/office/drawing/2014/main" id="{4B07E6C4-652D-B1DF-FF26-B9967BF02200}"/>
+                <a16:creationId xmlns:a16="http://schemas.microsoft.com/office/drawing/2014/main" id="{4E305B68-31DC-7FBE-40F6-2266CA5C895C}"/>
               </a:ext>
             </a:extLst>
           </p:cNvPr>
@@ -642,7 +642,7 @@
           <p:cNvPr id="4" name="日期占位符 3">
             <a:extLst>
               <a:ext uri="{FF2B5EF4-FFF2-40B4-BE49-F238E27FC236}">
-                <a16:creationId xmlns:a16="http://schemas.microsoft.com/office/drawing/2014/main" id="{C80ACA59-7C2A-A567-EDA3-7AE807C30361}"/>
+                <a16:creationId xmlns:a16="http://schemas.microsoft.com/office/drawing/2014/main" id="{38758881-8D8C-8047-C98D-E285AC6FC846}"/>
               </a:ext>
             </a:extLst>
           </p:cNvPr>
@@ -658,7 +658,7 @@
           <a:bodyPr/>
           <a:lstStyle/>
           <a:p>
-            <a:fld id="{4DE1F27C-F371-4D79-8E77-6D9D790963E0}" type="datetimeFigureOut">
+            <a:fld id="{CE4C03D0-7689-4CF2-BBD2-FA6EAD846998}" type="datetimeFigureOut">
               <a:rPr lang="zh-CN" altLang="en-US" smtClean="0"/>
               <a:t>2024/3/10</a:t>
             </a:fld>
@@ -671,7 +671,7 @@
           <p:cNvPr id="5" name="页脚占位符 4">
             <a:extLst>
               <a:ext uri="{FF2B5EF4-FFF2-40B4-BE49-F238E27FC236}">
-                <a16:creationId xmlns:a16="http://schemas.microsoft.com/office/drawing/2014/main" id="{5B46A04C-F74B-F5E8-4CD2-3019235B15C1}"/>
+                <a16:creationId xmlns:a16="http://schemas.microsoft.com/office/drawing/2014/main" id="{DE8F24DE-E641-53CE-7932-72F2FFD8E0CE}"/>
               </a:ext>
             </a:extLst>
           </p:cNvPr>
@@ -696,7 +696,7 @@
           <p:cNvPr id="6" name="灯片编号占位符 5">
             <a:extLst>
               <a:ext uri="{FF2B5EF4-FFF2-40B4-BE49-F238E27FC236}">
-                <a16:creationId xmlns:a16="http://schemas.microsoft.com/office/drawing/2014/main" id="{8C86227E-42D7-903D-4732-731227FA04AC}"/>
+                <a16:creationId xmlns:a16="http://schemas.microsoft.com/office/drawing/2014/main" id="{9E6E442B-8187-7A1E-0309-9FB4BD7392DA}"/>
               </a:ext>
             </a:extLst>
           </p:cNvPr>
@@ -712,7 +712,7 @@
           <a:bodyPr/>
           <a:lstStyle/>
           <a:p>
-            <a:fld id="{D201ADC4-F655-4172-9598-A5E39E549255}" type="slidenum">
+            <a:fld id="{F8BAB0AD-2FEC-421B-91B3-A8E8B9D8A51C}" type="slidenum">
               <a:rPr lang="zh-CN" altLang="en-US" smtClean="0"/>
               <a:t>‹#›</a:t>
             </a:fld>
@@ -723,7 +723,7 @@
     </p:spTree>
     <p:extLst>
       <p:ext uri="{BB962C8B-B14F-4D97-AF65-F5344CB8AC3E}">
-        <p14:creationId xmlns:p14="http://schemas.microsoft.com/office/powerpoint/2010/main" val="935181346"/>
+        <p14:creationId xmlns:p14="http://schemas.microsoft.com/office/powerpoint/2010/main" val="814813945"/>
       </p:ext>
     </p:extLst>
   </p:cSld>
@@ -755,7 +755,7 @@
           <p:cNvPr id="2" name="标题 1">
             <a:extLst>
               <a:ext uri="{FF2B5EF4-FFF2-40B4-BE49-F238E27FC236}">
-                <a16:creationId xmlns:a16="http://schemas.microsoft.com/office/drawing/2014/main" id="{1A86F94A-DB3D-4B6D-7E17-712CFF0D3E0E}"/>
+                <a16:creationId xmlns:a16="http://schemas.microsoft.com/office/drawing/2014/main" id="{92D45664-773D-E376-C3A2-32229A6B8737}"/>
               </a:ext>
             </a:extLst>
           </p:cNvPr>
@@ -783,7 +783,7 @@
           <p:cNvPr id="3" name="内容占位符 2">
             <a:extLst>
               <a:ext uri="{FF2B5EF4-FFF2-40B4-BE49-F238E27FC236}">
-                <a16:creationId xmlns:a16="http://schemas.microsoft.com/office/drawing/2014/main" id="{136D7CE6-815A-0D71-0805-B39CA0ADD33E}"/>
+                <a16:creationId xmlns:a16="http://schemas.microsoft.com/office/drawing/2014/main" id="{E44DE14F-F124-14C2-3D76-D966B1DB7DA2}"/>
               </a:ext>
             </a:extLst>
           </p:cNvPr>
@@ -840,7 +840,7 @@
           <p:cNvPr id="4" name="日期占位符 3">
             <a:extLst>
               <a:ext uri="{FF2B5EF4-FFF2-40B4-BE49-F238E27FC236}">
-                <a16:creationId xmlns:a16="http://schemas.microsoft.com/office/drawing/2014/main" id="{184A9FA7-E0F6-D77D-7491-A9F2F4106CE0}"/>
+                <a16:creationId xmlns:a16="http://schemas.microsoft.com/office/drawing/2014/main" id="{02B1E65C-F251-1823-C0C3-788CCB98BEF4}"/>
               </a:ext>
             </a:extLst>
           </p:cNvPr>
@@ -856,7 +856,7 @@
           <a:bodyPr/>
           <a:lstStyle/>
           <a:p>
-            <a:fld id="{4DE1F27C-F371-4D79-8E77-6D9D790963E0}" type="datetimeFigureOut">
+            <a:fld id="{CE4C03D0-7689-4CF2-BBD2-FA6EAD846998}" type="datetimeFigureOut">
               <a:rPr lang="zh-CN" altLang="en-US" smtClean="0"/>
               <a:t>2024/3/10</a:t>
             </a:fld>
@@ -869,7 +869,7 @@
           <p:cNvPr id="5" name="页脚占位符 4">
             <a:extLst>
               <a:ext uri="{FF2B5EF4-FFF2-40B4-BE49-F238E27FC236}">
-                <a16:creationId xmlns:a16="http://schemas.microsoft.com/office/drawing/2014/main" id="{C4014866-A4B1-0783-4E2F-31CCB1412D97}"/>
+                <a16:creationId xmlns:a16="http://schemas.microsoft.com/office/drawing/2014/main" id="{3150E963-89FE-5C4B-ADE7-E3D329E798A2}"/>
               </a:ext>
             </a:extLst>
           </p:cNvPr>
@@ -894,7 +894,7 @@
           <p:cNvPr id="6" name="灯片编号占位符 5">
             <a:extLst>
               <a:ext uri="{FF2B5EF4-FFF2-40B4-BE49-F238E27FC236}">
-                <a16:creationId xmlns:a16="http://schemas.microsoft.com/office/drawing/2014/main" id="{D2BB9B39-323B-B374-B7DF-250A7BB4B453}"/>
+                <a16:creationId xmlns:a16="http://schemas.microsoft.com/office/drawing/2014/main" id="{958FD3DD-8175-1399-902C-D1351F0803B1}"/>
               </a:ext>
             </a:extLst>
           </p:cNvPr>
@@ -910,7 +910,7 @@
           <a:bodyPr/>
           <a:lstStyle/>
           <a:p>
-            <a:fld id="{D201ADC4-F655-4172-9598-A5E39E549255}" type="slidenum">
+            <a:fld id="{F8BAB0AD-2FEC-421B-91B3-A8E8B9D8A51C}" type="slidenum">
               <a:rPr lang="zh-CN" altLang="en-US" smtClean="0"/>
               <a:t>‹#›</a:t>
             </a:fld>
@@ -921,7 +921,7 @@
     </p:spTree>
     <p:extLst>
       <p:ext uri="{BB962C8B-B14F-4D97-AF65-F5344CB8AC3E}">
-        <p14:creationId xmlns:p14="http://schemas.microsoft.com/office/powerpoint/2010/main" val="3989972831"/>
+        <p14:creationId xmlns:p14="http://schemas.microsoft.com/office/powerpoint/2010/main" val="2994179601"/>
       </p:ext>
     </p:extLst>
   </p:cSld>
@@ -953,7 +953,7 @@
           <p:cNvPr id="2" name="标题 1">
             <a:extLst>
               <a:ext uri="{FF2B5EF4-FFF2-40B4-BE49-F238E27FC236}">
-                <a16:creationId xmlns:a16="http://schemas.microsoft.com/office/drawing/2014/main" id="{B8414E52-9B83-B0EF-59C0-1049214C151E}"/>
+                <a16:creationId xmlns:a16="http://schemas.microsoft.com/office/drawing/2014/main" id="{C7CCDF57-43F9-3B1D-7EE4-18C98D890071}"/>
               </a:ext>
             </a:extLst>
           </p:cNvPr>
@@ -990,7 +990,7 @@
           <p:cNvPr id="3" name="文本占位符 2">
             <a:extLst>
               <a:ext uri="{FF2B5EF4-FFF2-40B4-BE49-F238E27FC236}">
-                <a16:creationId xmlns:a16="http://schemas.microsoft.com/office/drawing/2014/main" id="{8F89A3DE-A1F4-840A-4830-E9789256F8E0}"/>
+                <a16:creationId xmlns:a16="http://schemas.microsoft.com/office/drawing/2014/main" id="{A965E42F-8BF7-76DA-C262-F36929DCF76F}"/>
               </a:ext>
             </a:extLst>
           </p:cNvPr>
@@ -1115,7 +1115,7 @@
           <p:cNvPr id="4" name="日期占位符 3">
             <a:extLst>
               <a:ext uri="{FF2B5EF4-FFF2-40B4-BE49-F238E27FC236}">
-                <a16:creationId xmlns:a16="http://schemas.microsoft.com/office/drawing/2014/main" id="{70D317B1-328A-5EED-8E70-207BF936F742}"/>
+                <a16:creationId xmlns:a16="http://schemas.microsoft.com/office/drawing/2014/main" id="{E8C9AD39-580B-21F0-BF0B-4EE6C693E430}"/>
               </a:ext>
             </a:extLst>
           </p:cNvPr>
@@ -1131,7 +1131,7 @@
           <a:bodyPr/>
           <a:lstStyle/>
           <a:p>
-            <a:fld id="{4DE1F27C-F371-4D79-8E77-6D9D790963E0}" type="datetimeFigureOut">
+            <a:fld id="{CE4C03D0-7689-4CF2-BBD2-FA6EAD846998}" type="datetimeFigureOut">
               <a:rPr lang="zh-CN" altLang="en-US" smtClean="0"/>
               <a:t>2024/3/10</a:t>
             </a:fld>
@@ -1144,7 +1144,7 @@
           <p:cNvPr id="5" name="页脚占位符 4">
             <a:extLst>
               <a:ext uri="{FF2B5EF4-FFF2-40B4-BE49-F238E27FC236}">
-                <a16:creationId xmlns:a16="http://schemas.microsoft.com/office/drawing/2014/main" id="{08A37773-84B0-19FC-ADAA-E334E3546D1C}"/>
+                <a16:creationId xmlns:a16="http://schemas.microsoft.com/office/drawing/2014/main" id="{0E6F3661-D1BD-0067-0781-8C7A7AEA6D03}"/>
               </a:ext>
             </a:extLst>
           </p:cNvPr>
@@ -1169,7 +1169,7 @@
           <p:cNvPr id="6" name="灯片编号占位符 5">
             <a:extLst>
               <a:ext uri="{FF2B5EF4-FFF2-40B4-BE49-F238E27FC236}">
-                <a16:creationId xmlns:a16="http://schemas.microsoft.com/office/drawing/2014/main" id="{EC2923E4-23ED-DA60-C79C-F2EA508DC59C}"/>
+                <a16:creationId xmlns:a16="http://schemas.microsoft.com/office/drawing/2014/main" id="{35097D5E-4912-4811-539D-143B13137D35}"/>
               </a:ext>
             </a:extLst>
           </p:cNvPr>
@@ -1185,7 +1185,7 @@
           <a:bodyPr/>
           <a:lstStyle/>
           <a:p>
-            <a:fld id="{D201ADC4-F655-4172-9598-A5E39E549255}" type="slidenum">
+            <a:fld id="{F8BAB0AD-2FEC-421B-91B3-A8E8B9D8A51C}" type="slidenum">
               <a:rPr lang="zh-CN" altLang="en-US" smtClean="0"/>
               <a:t>‹#›</a:t>
             </a:fld>
@@ -1196,7 +1196,7 @@
     </p:spTree>
     <p:extLst>
       <p:ext uri="{BB962C8B-B14F-4D97-AF65-F5344CB8AC3E}">
-        <p14:creationId xmlns:p14="http://schemas.microsoft.com/office/powerpoint/2010/main" val="2811515193"/>
+        <p14:creationId xmlns:p14="http://schemas.microsoft.com/office/powerpoint/2010/main" val="528787391"/>
       </p:ext>
     </p:extLst>
   </p:cSld>
@@ -1228,7 +1228,7 @@
           <p:cNvPr id="2" name="标题 1">
             <a:extLst>
               <a:ext uri="{FF2B5EF4-FFF2-40B4-BE49-F238E27FC236}">
-                <a16:creationId xmlns:a16="http://schemas.microsoft.com/office/drawing/2014/main" id="{D86CED58-DFD9-6400-82A0-46DE0E0BACCC}"/>
+                <a16:creationId xmlns:a16="http://schemas.microsoft.com/office/drawing/2014/main" id="{D5D64CA1-052A-338F-94B7-9AC1AB6C50AA}"/>
               </a:ext>
             </a:extLst>
           </p:cNvPr>
@@ -1256,7 +1256,7 @@
           <p:cNvPr id="3" name="内容占位符 2">
             <a:extLst>
               <a:ext uri="{FF2B5EF4-FFF2-40B4-BE49-F238E27FC236}">
-                <a16:creationId xmlns:a16="http://schemas.microsoft.com/office/drawing/2014/main" id="{854420FC-E1E9-3D35-F6EC-168D33EB98F4}"/>
+                <a16:creationId xmlns:a16="http://schemas.microsoft.com/office/drawing/2014/main" id="{39A11246-976B-2E4C-598A-31D615F63606}"/>
               </a:ext>
             </a:extLst>
           </p:cNvPr>
@@ -1318,7 +1318,7 @@
           <p:cNvPr id="4" name="内容占位符 3">
             <a:extLst>
               <a:ext uri="{FF2B5EF4-FFF2-40B4-BE49-F238E27FC236}">
-                <a16:creationId xmlns:a16="http://schemas.microsoft.com/office/drawing/2014/main" id="{F0A5C99D-3134-FFD8-2A16-64B3E0CC8FC4}"/>
+                <a16:creationId xmlns:a16="http://schemas.microsoft.com/office/drawing/2014/main" id="{7B7B3E2F-01D6-B409-8CD6-FE9C00DB6A54}"/>
               </a:ext>
             </a:extLst>
           </p:cNvPr>
@@ -1380,7 +1380,7 @@
           <p:cNvPr id="5" name="日期占位符 4">
             <a:extLst>
               <a:ext uri="{FF2B5EF4-FFF2-40B4-BE49-F238E27FC236}">
-                <a16:creationId xmlns:a16="http://schemas.microsoft.com/office/drawing/2014/main" id="{51D6FAF3-B0CD-10AC-81C1-EA3076B63B92}"/>
+                <a16:creationId xmlns:a16="http://schemas.microsoft.com/office/drawing/2014/main" id="{0B2FA740-22A9-9DBD-D64B-F16EFB89F1AC}"/>
               </a:ext>
             </a:extLst>
           </p:cNvPr>
@@ -1396,7 +1396,7 @@
           <a:bodyPr/>
           <a:lstStyle/>
           <a:p>
-            <a:fld id="{4DE1F27C-F371-4D79-8E77-6D9D790963E0}" type="datetimeFigureOut">
+            <a:fld id="{CE4C03D0-7689-4CF2-BBD2-FA6EAD846998}" type="datetimeFigureOut">
               <a:rPr lang="zh-CN" altLang="en-US" smtClean="0"/>
               <a:t>2024/3/10</a:t>
             </a:fld>
@@ -1409,7 +1409,7 @@
           <p:cNvPr id="6" name="页脚占位符 5">
             <a:extLst>
               <a:ext uri="{FF2B5EF4-FFF2-40B4-BE49-F238E27FC236}">
-                <a16:creationId xmlns:a16="http://schemas.microsoft.com/office/drawing/2014/main" id="{FFC7A27F-A39E-9B62-4C57-CB309B5B4218}"/>
+                <a16:creationId xmlns:a16="http://schemas.microsoft.com/office/drawing/2014/main" id="{FBC6F1C9-2672-966C-C82A-661B63151272}"/>
               </a:ext>
             </a:extLst>
           </p:cNvPr>
@@ -1434,7 +1434,7 @@
           <p:cNvPr id="7" name="灯片编号占位符 6">
             <a:extLst>
               <a:ext uri="{FF2B5EF4-FFF2-40B4-BE49-F238E27FC236}">
-                <a16:creationId xmlns:a16="http://schemas.microsoft.com/office/drawing/2014/main" id="{978B6150-1797-E864-2C26-ED826187BECB}"/>
+                <a16:creationId xmlns:a16="http://schemas.microsoft.com/office/drawing/2014/main" id="{008D49DB-1186-FB2E-5ABE-C8EFF089EBA8}"/>
               </a:ext>
             </a:extLst>
           </p:cNvPr>
@@ -1450,7 +1450,7 @@
           <a:bodyPr/>
           <a:lstStyle/>
           <a:p>
-            <a:fld id="{D201ADC4-F655-4172-9598-A5E39E549255}" type="slidenum">
+            <a:fld id="{F8BAB0AD-2FEC-421B-91B3-A8E8B9D8A51C}" type="slidenum">
               <a:rPr lang="zh-CN" altLang="en-US" smtClean="0"/>
               <a:t>‹#›</a:t>
             </a:fld>
@@ -1461,7 +1461,7 @@
     </p:spTree>
     <p:extLst>
       <p:ext uri="{BB962C8B-B14F-4D97-AF65-F5344CB8AC3E}">
-        <p14:creationId xmlns:p14="http://schemas.microsoft.com/office/powerpoint/2010/main" val="47656455"/>
+        <p14:creationId xmlns:p14="http://schemas.microsoft.com/office/powerpoint/2010/main" val="1608591651"/>
       </p:ext>
     </p:extLst>
   </p:cSld>
@@ -1493,7 +1493,7 @@
           <p:cNvPr id="2" name="标题 1">
             <a:extLst>
               <a:ext uri="{FF2B5EF4-FFF2-40B4-BE49-F238E27FC236}">
-                <a16:creationId xmlns:a16="http://schemas.microsoft.com/office/drawing/2014/main" id="{FC5F5628-25B8-A712-0073-F297654BF28A}"/>
+                <a16:creationId xmlns:a16="http://schemas.microsoft.com/office/drawing/2014/main" id="{41B4B463-41B1-37DB-BF4E-060114A9CB19}"/>
               </a:ext>
             </a:extLst>
           </p:cNvPr>
@@ -1526,7 +1526,7 @@
           <p:cNvPr id="3" name="文本占位符 2">
             <a:extLst>
               <a:ext uri="{FF2B5EF4-FFF2-40B4-BE49-F238E27FC236}">
-                <a16:creationId xmlns:a16="http://schemas.microsoft.com/office/drawing/2014/main" id="{3DF85E35-B448-21AF-939B-78B425679762}"/>
+                <a16:creationId xmlns:a16="http://schemas.microsoft.com/office/drawing/2014/main" id="{36C96C13-7068-D1C8-5CCC-1AD5C91462B6}"/>
               </a:ext>
             </a:extLst>
           </p:cNvPr>
@@ -1597,7 +1597,7 @@
           <p:cNvPr id="4" name="内容占位符 3">
             <a:extLst>
               <a:ext uri="{FF2B5EF4-FFF2-40B4-BE49-F238E27FC236}">
-                <a16:creationId xmlns:a16="http://schemas.microsoft.com/office/drawing/2014/main" id="{DF3D8B8E-5A0F-30DC-557D-319700148DA5}"/>
+                <a16:creationId xmlns:a16="http://schemas.microsoft.com/office/drawing/2014/main" id="{F0771967-87D1-62E2-0DBA-6FCFCFAC8075}"/>
               </a:ext>
             </a:extLst>
           </p:cNvPr>
@@ -1659,7 +1659,7 @@
           <p:cNvPr id="5" name="文本占位符 4">
             <a:extLst>
               <a:ext uri="{FF2B5EF4-FFF2-40B4-BE49-F238E27FC236}">
-                <a16:creationId xmlns:a16="http://schemas.microsoft.com/office/drawing/2014/main" id="{A06791E8-889C-8DDB-C382-83AE5C393E31}"/>
+                <a16:creationId xmlns:a16="http://schemas.microsoft.com/office/drawing/2014/main" id="{4C678A79-E069-4557-B0EE-6A974A6A5C4E}"/>
               </a:ext>
             </a:extLst>
           </p:cNvPr>
@@ -1730,7 +1730,7 @@
           <p:cNvPr id="6" name="内容占位符 5">
             <a:extLst>
               <a:ext uri="{FF2B5EF4-FFF2-40B4-BE49-F238E27FC236}">
-                <a16:creationId xmlns:a16="http://schemas.microsoft.com/office/drawing/2014/main" id="{E5D459A1-B243-260D-ACDA-2EEFC58496A4}"/>
+                <a16:creationId xmlns:a16="http://schemas.microsoft.com/office/drawing/2014/main" id="{CDA80706-FBEA-7948-A16B-F1FBACDE3A0D}"/>
               </a:ext>
             </a:extLst>
           </p:cNvPr>
@@ -1792,7 +1792,7 @@
           <p:cNvPr id="7" name="日期占位符 6">
             <a:extLst>
               <a:ext uri="{FF2B5EF4-FFF2-40B4-BE49-F238E27FC236}">
-                <a16:creationId xmlns:a16="http://schemas.microsoft.com/office/drawing/2014/main" id="{418E934C-3A01-1F87-75F8-EC07B001F01D}"/>
+                <a16:creationId xmlns:a16="http://schemas.microsoft.com/office/drawing/2014/main" id="{13AB401C-8AD7-0934-2697-A27BED81B4E7}"/>
               </a:ext>
             </a:extLst>
           </p:cNvPr>
@@ -1808,7 +1808,7 @@
           <a:bodyPr/>
           <a:lstStyle/>
           <a:p>
-            <a:fld id="{4DE1F27C-F371-4D79-8E77-6D9D790963E0}" type="datetimeFigureOut">
+            <a:fld id="{CE4C03D0-7689-4CF2-BBD2-FA6EAD846998}" type="datetimeFigureOut">
               <a:rPr lang="zh-CN" altLang="en-US" smtClean="0"/>
               <a:t>2024/3/10</a:t>
             </a:fld>
@@ -1821,7 +1821,7 @@
           <p:cNvPr id="8" name="页脚占位符 7">
             <a:extLst>
               <a:ext uri="{FF2B5EF4-FFF2-40B4-BE49-F238E27FC236}">
-                <a16:creationId xmlns:a16="http://schemas.microsoft.com/office/drawing/2014/main" id="{66052D28-56A1-9E70-E5A5-D68391CE0FE4}"/>
+                <a16:creationId xmlns:a16="http://schemas.microsoft.com/office/drawing/2014/main" id="{76BBCBF6-B6BA-D1B7-225D-367CE1131E8C}"/>
               </a:ext>
             </a:extLst>
           </p:cNvPr>
@@ -1846,7 +1846,7 @@
           <p:cNvPr id="9" name="灯片编号占位符 8">
             <a:extLst>
               <a:ext uri="{FF2B5EF4-FFF2-40B4-BE49-F238E27FC236}">
-                <a16:creationId xmlns:a16="http://schemas.microsoft.com/office/drawing/2014/main" id="{88435C76-C8E5-5366-7C89-6714397DB1D8}"/>
+                <a16:creationId xmlns:a16="http://schemas.microsoft.com/office/drawing/2014/main" id="{7DFB6207-289E-4213-5E92-269039F303E5}"/>
               </a:ext>
             </a:extLst>
           </p:cNvPr>
@@ -1862,7 +1862,7 @@
           <a:bodyPr/>
           <a:lstStyle/>
           <a:p>
-            <a:fld id="{D201ADC4-F655-4172-9598-A5E39E549255}" type="slidenum">
+            <a:fld id="{F8BAB0AD-2FEC-421B-91B3-A8E8B9D8A51C}" type="slidenum">
               <a:rPr lang="zh-CN" altLang="en-US" smtClean="0"/>
               <a:t>‹#›</a:t>
             </a:fld>
@@ -1873,7 +1873,7 @@
     </p:spTree>
     <p:extLst>
       <p:ext uri="{BB962C8B-B14F-4D97-AF65-F5344CB8AC3E}">
-        <p14:creationId xmlns:p14="http://schemas.microsoft.com/office/powerpoint/2010/main" val="1258438806"/>
+        <p14:creationId xmlns:p14="http://schemas.microsoft.com/office/powerpoint/2010/main" val="3697136580"/>
       </p:ext>
     </p:extLst>
   </p:cSld>
@@ -1905,7 +1905,7 @@
           <p:cNvPr id="2" name="标题 1">
             <a:extLst>
               <a:ext uri="{FF2B5EF4-FFF2-40B4-BE49-F238E27FC236}">
-                <a16:creationId xmlns:a16="http://schemas.microsoft.com/office/drawing/2014/main" id="{AAEF454B-4AB1-CBF9-FB40-721C2452FB3C}"/>
+                <a16:creationId xmlns:a16="http://schemas.microsoft.com/office/drawing/2014/main" id="{08AF5C39-0FEA-7883-0781-B43522E6BE65}"/>
               </a:ext>
             </a:extLst>
           </p:cNvPr>
@@ -1933,7 +1933,7 @@
           <p:cNvPr id="3" name="日期占位符 2">
             <a:extLst>
               <a:ext uri="{FF2B5EF4-FFF2-40B4-BE49-F238E27FC236}">
-                <a16:creationId xmlns:a16="http://schemas.microsoft.com/office/drawing/2014/main" id="{031E55B4-8A0F-F0BD-B555-65753D484A22}"/>
+                <a16:creationId xmlns:a16="http://schemas.microsoft.com/office/drawing/2014/main" id="{25DED621-5106-DB0A-FA77-119580D8E2B3}"/>
               </a:ext>
             </a:extLst>
           </p:cNvPr>
@@ -1949,7 +1949,7 @@
           <a:bodyPr/>
           <a:lstStyle/>
           <a:p>
-            <a:fld id="{4DE1F27C-F371-4D79-8E77-6D9D790963E0}" type="datetimeFigureOut">
+            <a:fld id="{CE4C03D0-7689-4CF2-BBD2-FA6EAD846998}" type="datetimeFigureOut">
               <a:rPr lang="zh-CN" altLang="en-US" smtClean="0"/>
               <a:t>2024/3/10</a:t>
             </a:fld>
@@ -1962,7 +1962,7 @@
           <p:cNvPr id="4" name="页脚占位符 3">
             <a:extLst>
               <a:ext uri="{FF2B5EF4-FFF2-40B4-BE49-F238E27FC236}">
-                <a16:creationId xmlns:a16="http://schemas.microsoft.com/office/drawing/2014/main" id="{EFB693E5-3FC1-2F8B-718D-3A60EE379C31}"/>
+                <a16:creationId xmlns:a16="http://schemas.microsoft.com/office/drawing/2014/main" id="{788DD99D-D3F0-AE99-D52C-65F5DD4FEB73}"/>
               </a:ext>
             </a:extLst>
           </p:cNvPr>
@@ -1987,7 +1987,7 @@
           <p:cNvPr id="5" name="灯片编号占位符 4">
             <a:extLst>
               <a:ext uri="{FF2B5EF4-FFF2-40B4-BE49-F238E27FC236}">
-                <a16:creationId xmlns:a16="http://schemas.microsoft.com/office/drawing/2014/main" id="{D068AAE4-32C3-0823-6BF8-A5DE48798366}"/>
+                <a16:creationId xmlns:a16="http://schemas.microsoft.com/office/drawing/2014/main" id="{4DF8A730-E76E-BC5D-49C9-3A5826D58F17}"/>
               </a:ext>
             </a:extLst>
           </p:cNvPr>
@@ -2003,7 +2003,7 @@
           <a:bodyPr/>
           <a:lstStyle/>
           <a:p>
-            <a:fld id="{D201ADC4-F655-4172-9598-A5E39E549255}" type="slidenum">
+            <a:fld id="{F8BAB0AD-2FEC-421B-91B3-A8E8B9D8A51C}" type="slidenum">
               <a:rPr lang="zh-CN" altLang="en-US" smtClean="0"/>
               <a:t>‹#›</a:t>
             </a:fld>
@@ -2014,7 +2014,7 @@
     </p:spTree>
     <p:extLst>
       <p:ext uri="{BB962C8B-B14F-4D97-AF65-F5344CB8AC3E}">
-        <p14:creationId xmlns:p14="http://schemas.microsoft.com/office/powerpoint/2010/main" val="4076419182"/>
+        <p14:creationId xmlns:p14="http://schemas.microsoft.com/office/powerpoint/2010/main" val="3472289387"/>
       </p:ext>
     </p:extLst>
   </p:cSld>
@@ -2046,7 +2046,7 @@
           <p:cNvPr id="2" name="日期占位符 1">
             <a:extLst>
               <a:ext uri="{FF2B5EF4-FFF2-40B4-BE49-F238E27FC236}">
-                <a16:creationId xmlns:a16="http://schemas.microsoft.com/office/drawing/2014/main" id="{1C45D9A3-4B58-6ED5-E11D-BE9A4647B838}"/>
+                <a16:creationId xmlns:a16="http://schemas.microsoft.com/office/drawing/2014/main" id="{180C997C-D3B1-6217-EA84-EBCE0C3A8AB1}"/>
               </a:ext>
             </a:extLst>
           </p:cNvPr>
@@ -2062,7 +2062,7 @@
           <a:bodyPr/>
           <a:lstStyle/>
           <a:p>
-            <a:fld id="{4DE1F27C-F371-4D79-8E77-6D9D790963E0}" type="datetimeFigureOut">
+            <a:fld id="{CE4C03D0-7689-4CF2-BBD2-FA6EAD846998}" type="datetimeFigureOut">
               <a:rPr lang="zh-CN" altLang="en-US" smtClean="0"/>
               <a:t>2024/3/10</a:t>
             </a:fld>
@@ -2075,7 +2075,7 @@
           <p:cNvPr id="3" name="页脚占位符 2">
             <a:extLst>
               <a:ext uri="{FF2B5EF4-FFF2-40B4-BE49-F238E27FC236}">
-                <a16:creationId xmlns:a16="http://schemas.microsoft.com/office/drawing/2014/main" id="{41535B6D-FD69-709F-2DE9-DAB98CE331DD}"/>
+                <a16:creationId xmlns:a16="http://schemas.microsoft.com/office/drawing/2014/main" id="{CA16D854-5F9C-12FF-D1AA-E2A22E075FF4}"/>
               </a:ext>
             </a:extLst>
           </p:cNvPr>
@@ -2100,7 +2100,7 @@
           <p:cNvPr id="4" name="灯片编号占位符 3">
             <a:extLst>
               <a:ext uri="{FF2B5EF4-FFF2-40B4-BE49-F238E27FC236}">
-                <a16:creationId xmlns:a16="http://schemas.microsoft.com/office/drawing/2014/main" id="{59A7EDAD-098C-B964-872C-35D4687D2348}"/>
+                <a16:creationId xmlns:a16="http://schemas.microsoft.com/office/drawing/2014/main" id="{779BEBBB-8961-2C1B-BE78-3AB28180E88A}"/>
               </a:ext>
             </a:extLst>
           </p:cNvPr>
@@ -2116,7 +2116,7 @@
           <a:bodyPr/>
           <a:lstStyle/>
           <a:p>
-            <a:fld id="{D201ADC4-F655-4172-9598-A5E39E549255}" type="slidenum">
+            <a:fld id="{F8BAB0AD-2FEC-421B-91B3-A8E8B9D8A51C}" type="slidenum">
               <a:rPr lang="zh-CN" altLang="en-US" smtClean="0"/>
               <a:t>‹#›</a:t>
             </a:fld>
@@ -2127,7 +2127,7 @@
     </p:spTree>
     <p:extLst>
       <p:ext uri="{BB962C8B-B14F-4D97-AF65-F5344CB8AC3E}">
-        <p14:creationId xmlns:p14="http://schemas.microsoft.com/office/powerpoint/2010/main" val="3929454033"/>
+        <p14:creationId xmlns:p14="http://schemas.microsoft.com/office/powerpoint/2010/main" val="1718614989"/>
       </p:ext>
     </p:extLst>
   </p:cSld>
@@ -2159,7 +2159,7 @@
           <p:cNvPr id="2" name="标题 1">
             <a:extLst>
               <a:ext uri="{FF2B5EF4-FFF2-40B4-BE49-F238E27FC236}">
-                <a16:creationId xmlns:a16="http://schemas.microsoft.com/office/drawing/2014/main" id="{226BB74F-C39B-B81A-5F14-6242D771BB6E}"/>
+                <a16:creationId xmlns:a16="http://schemas.microsoft.com/office/drawing/2014/main" id="{9F22AAB2-8735-5796-EE92-7C4D6E86F115}"/>
               </a:ext>
             </a:extLst>
           </p:cNvPr>
@@ -2196,7 +2196,7 @@
           <p:cNvPr id="3" name="内容占位符 2">
             <a:extLst>
               <a:ext uri="{FF2B5EF4-FFF2-40B4-BE49-F238E27FC236}">
-                <a16:creationId xmlns:a16="http://schemas.microsoft.com/office/drawing/2014/main" id="{6BD5D3C4-A13D-9C81-D37F-158C51B5A11F}"/>
+                <a16:creationId xmlns:a16="http://schemas.microsoft.com/office/drawing/2014/main" id="{72811DF6-AA59-D462-C946-6A3580A3951E}"/>
               </a:ext>
             </a:extLst>
           </p:cNvPr>
@@ -2286,7 +2286,7 @@
           <p:cNvPr id="4" name="文本占位符 3">
             <a:extLst>
               <a:ext uri="{FF2B5EF4-FFF2-40B4-BE49-F238E27FC236}">
-                <a16:creationId xmlns:a16="http://schemas.microsoft.com/office/drawing/2014/main" id="{5FBCA5AE-ADC0-A14F-205D-648B0C7AF96F}"/>
+                <a16:creationId xmlns:a16="http://schemas.microsoft.com/office/drawing/2014/main" id="{D1850974-83BC-6E15-52F8-00DFF17FEB04}"/>
               </a:ext>
             </a:extLst>
           </p:cNvPr>
@@ -2357,7 +2357,7 @@
           <p:cNvPr id="5" name="日期占位符 4">
             <a:extLst>
               <a:ext uri="{FF2B5EF4-FFF2-40B4-BE49-F238E27FC236}">
-                <a16:creationId xmlns:a16="http://schemas.microsoft.com/office/drawing/2014/main" id="{66B745B0-0E17-2BD1-9A40-A3B2A7CC68FA}"/>
+                <a16:creationId xmlns:a16="http://schemas.microsoft.com/office/drawing/2014/main" id="{06079214-5E49-3027-53F5-ED9AEFB587DC}"/>
               </a:ext>
             </a:extLst>
           </p:cNvPr>
@@ -2373,7 +2373,7 @@
           <a:bodyPr/>
           <a:lstStyle/>
           <a:p>
-            <a:fld id="{4DE1F27C-F371-4D79-8E77-6D9D790963E0}" type="datetimeFigureOut">
+            <a:fld id="{CE4C03D0-7689-4CF2-BBD2-FA6EAD846998}" type="datetimeFigureOut">
               <a:rPr lang="zh-CN" altLang="en-US" smtClean="0"/>
               <a:t>2024/3/10</a:t>
             </a:fld>
@@ -2386,7 +2386,7 @@
           <p:cNvPr id="6" name="页脚占位符 5">
             <a:extLst>
               <a:ext uri="{FF2B5EF4-FFF2-40B4-BE49-F238E27FC236}">
-                <a16:creationId xmlns:a16="http://schemas.microsoft.com/office/drawing/2014/main" id="{41CE3B43-4CC7-B1AC-93B9-A93300132185}"/>
+                <a16:creationId xmlns:a16="http://schemas.microsoft.com/office/drawing/2014/main" id="{D3369883-D1D3-A3B0-2B4C-1B7902DFF378}"/>
               </a:ext>
             </a:extLst>
           </p:cNvPr>
@@ -2411,7 +2411,7 @@
           <p:cNvPr id="7" name="灯片编号占位符 6">
             <a:extLst>
               <a:ext uri="{FF2B5EF4-FFF2-40B4-BE49-F238E27FC236}">
-                <a16:creationId xmlns:a16="http://schemas.microsoft.com/office/drawing/2014/main" id="{9BC73F71-2031-2BB1-FD09-E913B2DDA909}"/>
+                <a16:creationId xmlns:a16="http://schemas.microsoft.com/office/drawing/2014/main" id="{4F182E48-7EF5-4E8C-107F-FBB2C12ED354}"/>
               </a:ext>
             </a:extLst>
           </p:cNvPr>
@@ -2427,7 +2427,7 @@
           <a:bodyPr/>
           <a:lstStyle/>
           <a:p>
-            <a:fld id="{D201ADC4-F655-4172-9598-A5E39E549255}" type="slidenum">
+            <a:fld id="{F8BAB0AD-2FEC-421B-91B3-A8E8B9D8A51C}" type="slidenum">
               <a:rPr lang="zh-CN" altLang="en-US" smtClean="0"/>
               <a:t>‹#›</a:t>
             </a:fld>
@@ -2438,7 +2438,7 @@
     </p:spTree>
     <p:extLst>
       <p:ext uri="{BB962C8B-B14F-4D97-AF65-F5344CB8AC3E}">
-        <p14:creationId xmlns:p14="http://schemas.microsoft.com/office/powerpoint/2010/main" val="2043344531"/>
+        <p14:creationId xmlns:p14="http://schemas.microsoft.com/office/powerpoint/2010/main" val="3824085386"/>
       </p:ext>
     </p:extLst>
   </p:cSld>
@@ -2470,7 +2470,7 @@
           <p:cNvPr id="2" name="标题 1">
             <a:extLst>
               <a:ext uri="{FF2B5EF4-FFF2-40B4-BE49-F238E27FC236}">
-                <a16:creationId xmlns:a16="http://schemas.microsoft.com/office/drawing/2014/main" id="{4D325C67-B992-FF87-FADD-05EF82E73DB0}"/>
+                <a16:creationId xmlns:a16="http://schemas.microsoft.com/office/drawing/2014/main" id="{380C94E8-A3E4-D6C5-3D1D-53F3A7493B62}"/>
               </a:ext>
             </a:extLst>
           </p:cNvPr>
@@ -2507,7 +2507,7 @@
           <p:cNvPr id="3" name="图片占位符 2">
             <a:extLst>
               <a:ext uri="{FF2B5EF4-FFF2-40B4-BE49-F238E27FC236}">
-                <a16:creationId xmlns:a16="http://schemas.microsoft.com/office/drawing/2014/main" id="{8B8267EE-DAC5-4274-2756-B4F9FC281B76}"/>
+                <a16:creationId xmlns:a16="http://schemas.microsoft.com/office/drawing/2014/main" id="{4D49D061-B6DB-5C78-3964-8E7117E78FF8}"/>
               </a:ext>
             </a:extLst>
           </p:cNvPr>
@@ -2574,7 +2574,7 @@
           <p:cNvPr id="4" name="文本占位符 3">
             <a:extLst>
               <a:ext uri="{FF2B5EF4-FFF2-40B4-BE49-F238E27FC236}">
-                <a16:creationId xmlns:a16="http://schemas.microsoft.com/office/drawing/2014/main" id="{0F5F62CF-C9F4-1D27-6BA9-598EE67F1CC3}"/>
+                <a16:creationId xmlns:a16="http://schemas.microsoft.com/office/drawing/2014/main" id="{0D1A39FF-5109-99E9-E71C-650F9DC0D01D}"/>
               </a:ext>
             </a:extLst>
           </p:cNvPr>
@@ -2645,7 +2645,7 @@
           <p:cNvPr id="5" name="日期占位符 4">
             <a:extLst>
               <a:ext uri="{FF2B5EF4-FFF2-40B4-BE49-F238E27FC236}">
-                <a16:creationId xmlns:a16="http://schemas.microsoft.com/office/drawing/2014/main" id="{F5042731-CEFC-3C64-59AE-09D57B6B4C1B}"/>
+                <a16:creationId xmlns:a16="http://schemas.microsoft.com/office/drawing/2014/main" id="{DFE4D372-C47C-2A21-FAA3-195183B89541}"/>
               </a:ext>
             </a:extLst>
           </p:cNvPr>
@@ -2661,7 +2661,7 @@
           <a:bodyPr/>
           <a:lstStyle/>
           <a:p>
-            <a:fld id="{4DE1F27C-F371-4D79-8E77-6D9D790963E0}" type="datetimeFigureOut">
+            <a:fld id="{CE4C03D0-7689-4CF2-BBD2-FA6EAD846998}" type="datetimeFigureOut">
               <a:rPr lang="zh-CN" altLang="en-US" smtClean="0"/>
               <a:t>2024/3/10</a:t>
             </a:fld>
@@ -2674,7 +2674,7 @@
           <p:cNvPr id="6" name="页脚占位符 5">
             <a:extLst>
               <a:ext uri="{FF2B5EF4-FFF2-40B4-BE49-F238E27FC236}">
-                <a16:creationId xmlns:a16="http://schemas.microsoft.com/office/drawing/2014/main" id="{BD00CBF2-95BF-1BF6-8D87-8D09C43CE337}"/>
+                <a16:creationId xmlns:a16="http://schemas.microsoft.com/office/drawing/2014/main" id="{01746A38-BFA9-3891-5FF8-EF4018644159}"/>
               </a:ext>
             </a:extLst>
           </p:cNvPr>
@@ -2699,7 +2699,7 @@
           <p:cNvPr id="7" name="灯片编号占位符 6">
             <a:extLst>
               <a:ext uri="{FF2B5EF4-FFF2-40B4-BE49-F238E27FC236}">
-                <a16:creationId xmlns:a16="http://schemas.microsoft.com/office/drawing/2014/main" id="{5E69EE03-7013-67D8-290A-E938F09DC76E}"/>
+                <a16:creationId xmlns:a16="http://schemas.microsoft.com/office/drawing/2014/main" id="{CC6AF64D-57D2-69C1-6899-06CE558E71A1}"/>
               </a:ext>
             </a:extLst>
           </p:cNvPr>
@@ -2715,7 +2715,7 @@
           <a:bodyPr/>
           <a:lstStyle/>
           <a:p>
-            <a:fld id="{D201ADC4-F655-4172-9598-A5E39E549255}" type="slidenum">
+            <a:fld id="{F8BAB0AD-2FEC-421B-91B3-A8E8B9D8A51C}" type="slidenum">
               <a:rPr lang="zh-CN" altLang="en-US" smtClean="0"/>
               <a:t>‹#›</a:t>
             </a:fld>
@@ -2726,7 +2726,7 @@
     </p:spTree>
     <p:extLst>
       <p:ext uri="{BB962C8B-B14F-4D97-AF65-F5344CB8AC3E}">
-        <p14:creationId xmlns:p14="http://schemas.microsoft.com/office/powerpoint/2010/main" val="214742630"/>
+        <p14:creationId xmlns:p14="http://schemas.microsoft.com/office/powerpoint/2010/main" val="3127044318"/>
       </p:ext>
     </p:extLst>
   </p:cSld>
@@ -2763,7 +2763,7 @@
           <p:cNvPr id="2" name="标题占位符 1">
             <a:extLst>
               <a:ext uri="{FF2B5EF4-FFF2-40B4-BE49-F238E27FC236}">
-                <a16:creationId xmlns:a16="http://schemas.microsoft.com/office/drawing/2014/main" id="{46555900-C409-E8B7-A287-9E6DE23AEDD3}"/>
+                <a16:creationId xmlns:a16="http://schemas.microsoft.com/office/drawing/2014/main" id="{91591E64-0520-1310-4CAA-469D21B5A46B}"/>
               </a:ext>
             </a:extLst>
           </p:cNvPr>
@@ -2801,7 +2801,7 @@
           <p:cNvPr id="3" name="文本占位符 2">
             <a:extLst>
               <a:ext uri="{FF2B5EF4-FFF2-40B4-BE49-F238E27FC236}">
-                <a16:creationId xmlns:a16="http://schemas.microsoft.com/office/drawing/2014/main" id="{8C271DE8-097D-FDA1-CF31-12919C01D901}"/>
+                <a16:creationId xmlns:a16="http://schemas.microsoft.com/office/drawing/2014/main" id="{7B9B3B75-CF1A-831D-D1D4-B9B1F6D11D77}"/>
               </a:ext>
             </a:extLst>
           </p:cNvPr>
@@ -2868,7 +2868,7 @@
           <p:cNvPr id="4" name="日期占位符 3">
             <a:extLst>
               <a:ext uri="{FF2B5EF4-FFF2-40B4-BE49-F238E27FC236}">
-                <a16:creationId xmlns:a16="http://schemas.microsoft.com/office/drawing/2014/main" id="{C237F212-39D7-A41E-35A2-F3344238F2AE}"/>
+                <a16:creationId xmlns:a16="http://schemas.microsoft.com/office/drawing/2014/main" id="{6DF4FC42-0F26-1E63-F981-9713722AB6FA}"/>
               </a:ext>
             </a:extLst>
           </p:cNvPr>
@@ -2902,7 +2902,7 @@
             </a:lvl1pPr>
           </a:lstStyle>
           <a:p>
-            <a:fld id="{4DE1F27C-F371-4D79-8E77-6D9D790963E0}" type="datetimeFigureOut">
+            <a:fld id="{CE4C03D0-7689-4CF2-BBD2-FA6EAD846998}" type="datetimeFigureOut">
               <a:rPr lang="zh-CN" altLang="en-US" smtClean="0"/>
               <a:t>2024/3/10</a:t>
             </a:fld>
@@ -2915,7 +2915,7 @@
           <p:cNvPr id="5" name="页脚占位符 4">
             <a:extLst>
               <a:ext uri="{FF2B5EF4-FFF2-40B4-BE49-F238E27FC236}">
-                <a16:creationId xmlns:a16="http://schemas.microsoft.com/office/drawing/2014/main" id="{EED6B39D-7F59-65D2-31CD-533BF22BBCE8}"/>
+                <a16:creationId xmlns:a16="http://schemas.microsoft.com/office/drawing/2014/main" id="{099CA1E9-AA71-3712-0192-06CAA6EEF1B0}"/>
               </a:ext>
             </a:extLst>
           </p:cNvPr>
@@ -2958,7 +2958,7 @@
           <p:cNvPr id="6" name="灯片编号占位符 5">
             <a:extLst>
               <a:ext uri="{FF2B5EF4-FFF2-40B4-BE49-F238E27FC236}">
-                <a16:creationId xmlns:a16="http://schemas.microsoft.com/office/drawing/2014/main" id="{C5384A22-C6B0-D142-0CC0-5F1FDD5C8D85}"/>
+                <a16:creationId xmlns:a16="http://schemas.microsoft.com/office/drawing/2014/main" id="{E7B9000B-A34E-FB30-FCFE-16F5B974F4BA}"/>
               </a:ext>
             </a:extLst>
           </p:cNvPr>
@@ -2992,7 +2992,7 @@
             </a:lvl1pPr>
           </a:lstStyle>
           <a:p>
-            <a:fld id="{D201ADC4-F655-4172-9598-A5E39E549255}" type="slidenum">
+            <a:fld id="{F8BAB0AD-2FEC-421B-91B3-A8E8B9D8A51C}" type="slidenum">
               <a:rPr lang="zh-CN" altLang="en-US" smtClean="0"/>
               <a:t>‹#›</a:t>
             </a:fld>
@@ -3003,7 +3003,7 @@
     </p:spTree>
     <p:extLst>
       <p:ext uri="{BB962C8B-B14F-4D97-AF65-F5344CB8AC3E}">
-        <p14:creationId xmlns:p14="http://schemas.microsoft.com/office/powerpoint/2010/main" val="3171208057"/>
+        <p14:creationId xmlns:p14="http://schemas.microsoft.com/office/powerpoint/2010/main" val="1058664451"/>
       </p:ext>
     </p:extLst>
   </p:cSld>
@@ -3323,7 +3323,7 @@
       </p:grpSpPr>
       <p:pic>
         <p:nvPicPr>
-          <p:cNvPr id="855042" name="Picture 2" descr="834"/>
+          <p:cNvPr id="856066" name="Picture 2" descr="835"/>
           <p:cNvPicPr>
             <a:picLocks noChangeAspect="1" noChangeArrowheads="1"/>
           </p:cNvPicPr>
@@ -3344,8 +3344,8 @@
         </p:blipFill>
         <p:spPr bwMode="auto">
           <a:xfrm>
-            <a:off x="1524000" y="1"/>
-            <a:ext cx="9124950" cy="6843713"/>
+            <a:off x="1524000" y="0"/>
+            <a:ext cx="9144000" cy="6858000"/>
           </a:xfrm>
           <a:prstGeom prst="rect">
             <a:avLst/>
